--- a/scope/FourthBrain - Project Mid Review.pptx
+++ b/scope/FourthBrain - Project Mid Review.pptx
@@ -266,7 +266,7 @@
           <a:p>
             <a:fld id="{81B8F32D-D8B6-4B9E-9CBF-DCAC30B7B93D}" type="datetimeFigureOut">
               <a:rPr lang="en-US" smtClean="0"/>
-              <a:t>7/28/22</a:t>
+              <a:t>7/29/22</a:t>
             </a:fld>
             <a:endParaRPr lang="en-US"/>
           </a:p>
@@ -582,7 +582,7 @@
           <a:p>
             <a:fld id="{81B8F32D-D8B6-4B9E-9CBF-DCAC30B7B93D}" type="datetimeFigureOut">
               <a:rPr lang="en-US" smtClean="0"/>
-              <a:t>7/28/22</a:t>
+              <a:t>7/29/22</a:t>
             </a:fld>
             <a:endParaRPr lang="en-US"/>
           </a:p>
@@ -887,7 +887,7 @@
           <a:p>
             <a:fld id="{81B8F32D-D8B6-4B9E-9CBF-DCAC30B7B93D}" type="datetimeFigureOut">
               <a:rPr lang="en-US" smtClean="0"/>
-              <a:t>7/28/22</a:t>
+              <a:t>7/29/22</a:t>
             </a:fld>
             <a:endParaRPr lang="en-US"/>
           </a:p>
@@ -1094,7 +1094,7 @@
           <a:p>
             <a:fld id="{81B8F32D-D8B6-4B9E-9CBF-DCAC30B7B93D}" type="datetimeFigureOut">
               <a:rPr lang="en-US" smtClean="0"/>
-              <a:t>7/28/22</a:t>
+              <a:t>7/29/22</a:t>
             </a:fld>
             <a:endParaRPr lang="en-US"/>
           </a:p>
@@ -1442,7 +1442,7 @@
           <a:p>
             <a:fld id="{81B8F32D-D8B6-4B9E-9CBF-DCAC30B7B93D}" type="datetimeFigureOut">
               <a:rPr lang="en-US" smtClean="0"/>
-              <a:t>7/28/22</a:t>
+              <a:t>7/29/22</a:t>
             </a:fld>
             <a:endParaRPr lang="en-US"/>
           </a:p>
@@ -1913,7 +1913,7 @@
           <a:p>
             <a:fld id="{81B8F32D-D8B6-4B9E-9CBF-DCAC30B7B93D}" type="datetimeFigureOut">
               <a:rPr lang="en-US" smtClean="0"/>
-              <a:t>7/28/22</a:t>
+              <a:t>7/29/22</a:t>
             </a:fld>
             <a:endParaRPr lang="en-US"/>
           </a:p>
@@ -2448,7 +2448,7 @@
           <a:p>
             <a:fld id="{81B8F32D-D8B6-4B9E-9CBF-DCAC30B7B93D}" type="datetimeFigureOut">
               <a:rPr lang="en-US" smtClean="0"/>
-              <a:t>7/28/22</a:t>
+              <a:t>7/29/22</a:t>
             </a:fld>
             <a:endParaRPr lang="en-US"/>
           </a:p>
@@ -2665,7 +2665,7 @@
           <a:p>
             <a:fld id="{81B8F32D-D8B6-4B9E-9CBF-DCAC30B7B93D}" type="datetimeFigureOut">
               <a:rPr lang="en-US" smtClean="0"/>
-              <a:t>7/28/22</a:t>
+              <a:t>7/29/22</a:t>
             </a:fld>
             <a:endParaRPr lang="en-US"/>
           </a:p>
@@ -2870,7 +2870,7 @@
           <a:p>
             <a:fld id="{81B8F32D-D8B6-4B9E-9CBF-DCAC30B7B93D}" type="datetimeFigureOut">
               <a:rPr lang="en-US" smtClean="0"/>
-              <a:t>7/28/22</a:t>
+              <a:t>7/29/22</a:t>
             </a:fld>
             <a:endParaRPr lang="en-US"/>
           </a:p>
@@ -3200,7 +3200,7 @@
           <a:p>
             <a:fld id="{81B8F32D-D8B6-4B9E-9CBF-DCAC30B7B93D}" type="datetimeFigureOut">
               <a:rPr lang="en-US" smtClean="0"/>
-              <a:t>7/28/22</a:t>
+              <a:t>7/29/22</a:t>
             </a:fld>
             <a:endParaRPr lang="en-US"/>
           </a:p>
@@ -3510,7 +3510,7 @@
           <a:p>
             <a:fld id="{81B8F32D-D8B6-4B9E-9CBF-DCAC30B7B93D}" type="datetimeFigureOut">
               <a:rPr lang="en-US" smtClean="0"/>
-              <a:t>7/28/22</a:t>
+              <a:t>7/29/22</a:t>
             </a:fld>
             <a:endParaRPr lang="en-US"/>
           </a:p>
@@ -3751,7 +3751,7 @@
             <a:fld id="{81B8F32D-D8B6-4B9E-9CBF-DCAC30B7B93D}" type="datetimeFigureOut">
               <a:rPr lang="en-US" smtClean="0"/>
               <a:pPr/>
-              <a:t>7/28/22</a:t>
+              <a:t>7/29/22</a:t>
             </a:fld>
             <a:endParaRPr lang="en-US" dirty="0"/>
           </a:p>
@@ -4725,7 +4725,19 @@
               <a:rPr lang="en-US" dirty="0">
                 <a:sym typeface="Wingdings" pitchFamily="2" charset="2"/>
               </a:rPr>
-              <a:t> The Movies Dataset (10k movies)</a:t>
+              <a:t> The Movies </a:t>
+            </a:r>
+            <a:r>
+              <a:rPr lang="en-US">
+                <a:sym typeface="Wingdings" pitchFamily="2" charset="2"/>
+              </a:rPr>
+              <a:t>Dataset (45k </a:t>
+            </a:r>
+            <a:r>
+              <a:rPr lang="en-US" dirty="0">
+                <a:sym typeface="Wingdings" pitchFamily="2" charset="2"/>
+              </a:rPr>
+              <a:t>movies)</a:t>
             </a:r>
           </a:p>
           <a:p>
@@ -4781,11 +4793,7 @@
             </a:r>
             <a:r>
               <a:rPr lang="en-US" dirty="0"/>
-              <a:t> Provide the user with multiple recommendations depending on their input </a:t>
-            </a:r>
-            <a:r>
-              <a:rPr lang="en-US"/>
-              <a:t>into the model</a:t>
+              <a:t> Provide the user with multiple recommendations depending on their input into the model</a:t>
             </a:r>
             <a:endParaRPr lang="en-US" strike="sngStrike" dirty="0"/>
           </a:p>
